--- a/Курсовая/Презентация курсовой.pptx
+++ b/Курсовая/Презентация курсовой.pptx
@@ -109,6 +109,11 @@
       </a:defRPr>
     </a:lvl9pPr>
   </p:defaultTextStyle>
+  <p:extLst>
+    <p:ext uri="{EFAFB233-063F-42B5-8137-9DF3F51BA10A}">
+      <p15:sldGuideLst xmlns:p15="http://schemas.microsoft.com/office/powerpoint/2012/main"/>
+    </p:ext>
+  </p:extLst>
 </p:presentation>
 </file>
 
@@ -447,7 +452,7 @@
           <a:p>
             <a:fld id="{D6CE3C32-551A-4460-A82C-8731ECEDCCAF}" type="datetimeFigureOut">
               <a:rPr lang="ru-RU" smtClean="0"/>
-              <a:t>10.05.2021</a:t>
+              <a:t>19.05.2021</a:t>
             </a:fld>
             <a:endParaRPr lang="ru-RU"/>
           </a:p>
@@ -1535,7 +1540,7 @@
           <a:p>
             <a:fld id="{D6CE3C32-551A-4460-A82C-8731ECEDCCAF}" type="datetimeFigureOut">
               <a:rPr lang="ru-RU" smtClean="0"/>
-              <a:t>10.05.2021</a:t>
+              <a:t>19.05.2021</a:t>
             </a:fld>
             <a:endParaRPr lang="ru-RU"/>
           </a:p>
@@ -2515,7 +2520,7 @@
           <a:p>
             <a:fld id="{D6CE3C32-551A-4460-A82C-8731ECEDCCAF}" type="datetimeFigureOut">
               <a:rPr lang="ru-RU" smtClean="0"/>
-              <a:t>10.05.2021</a:t>
+              <a:t>19.05.2021</a:t>
             </a:fld>
             <a:endParaRPr lang="ru-RU"/>
           </a:p>
@@ -3649,7 +3654,7 @@
           <a:p>
             <a:fld id="{D6CE3C32-551A-4460-A82C-8731ECEDCCAF}" type="datetimeFigureOut">
               <a:rPr lang="ru-RU" smtClean="0"/>
-              <a:t>10.05.2021</a:t>
+              <a:t>19.05.2021</a:t>
             </a:fld>
             <a:endParaRPr lang="ru-RU"/>
           </a:p>
@@ -4682,7 +4687,7 @@
           <a:p>
             <a:fld id="{D6CE3C32-551A-4460-A82C-8731ECEDCCAF}" type="datetimeFigureOut">
               <a:rPr lang="ru-RU" smtClean="0"/>
-              <a:t>10.05.2021</a:t>
+              <a:t>19.05.2021</a:t>
             </a:fld>
             <a:endParaRPr lang="ru-RU"/>
           </a:p>
@@ -5342,7 +5347,7 @@
           <a:p>
             <a:fld id="{D6CE3C32-551A-4460-A82C-8731ECEDCCAF}" type="datetimeFigureOut">
               <a:rPr lang="ru-RU" smtClean="0"/>
-              <a:t>10.05.2021</a:t>
+              <a:t>19.05.2021</a:t>
             </a:fld>
             <a:endParaRPr lang="ru-RU"/>
           </a:p>
@@ -6203,7 +6208,7 @@
           <a:p>
             <a:fld id="{D6CE3C32-551A-4460-A82C-8731ECEDCCAF}" type="datetimeFigureOut">
               <a:rPr lang="ru-RU" smtClean="0"/>
-              <a:t>10.05.2021</a:t>
+              <a:t>19.05.2021</a:t>
             </a:fld>
             <a:endParaRPr lang="ru-RU"/>
           </a:p>
@@ -6393,7 +6398,7 @@
           <a:p>
             <a:fld id="{D6CE3C32-551A-4460-A82C-8731ECEDCCAF}" type="datetimeFigureOut">
               <a:rPr lang="ru-RU" smtClean="0"/>
-              <a:t>10.05.2021</a:t>
+              <a:t>19.05.2021</a:t>
             </a:fld>
             <a:endParaRPr lang="ru-RU"/>
           </a:p>
@@ -7365,7 +7370,7 @@
           <a:p>
             <a:fld id="{D6CE3C32-551A-4460-A82C-8731ECEDCCAF}" type="datetimeFigureOut">
               <a:rPr lang="ru-RU" smtClean="0"/>
-              <a:t>10.05.2021</a:t>
+              <a:t>19.05.2021</a:t>
             </a:fld>
             <a:endParaRPr lang="ru-RU"/>
           </a:p>
@@ -7576,7 +7581,7 @@
           <a:p>
             <a:fld id="{D6CE3C32-551A-4460-A82C-8731ECEDCCAF}" type="datetimeFigureOut">
               <a:rPr lang="ru-RU" smtClean="0"/>
-              <a:t>10.05.2021</a:t>
+              <a:t>19.05.2021</a:t>
             </a:fld>
             <a:endParaRPr lang="ru-RU"/>
           </a:p>
@@ -8610,7 +8615,7 @@
           <a:p>
             <a:fld id="{D6CE3C32-551A-4460-A82C-8731ECEDCCAF}" type="datetimeFigureOut">
               <a:rPr lang="ru-RU" smtClean="0"/>
-              <a:t>10.05.2021</a:t>
+              <a:t>19.05.2021</a:t>
             </a:fld>
             <a:endParaRPr lang="ru-RU"/>
           </a:p>
@@ -8882,7 +8887,7 @@
           <a:p>
             <a:fld id="{D6CE3C32-551A-4460-A82C-8731ECEDCCAF}" type="datetimeFigureOut">
               <a:rPr lang="ru-RU" smtClean="0"/>
-              <a:t>10.05.2021</a:t>
+              <a:t>19.05.2021</a:t>
             </a:fld>
             <a:endParaRPr lang="ru-RU"/>
           </a:p>
@@ -9292,7 +9297,7 @@
           <a:p>
             <a:fld id="{D6CE3C32-551A-4460-A82C-8731ECEDCCAF}" type="datetimeFigureOut">
               <a:rPr lang="ru-RU" smtClean="0"/>
-              <a:t>10.05.2021</a:t>
+              <a:t>19.05.2021</a:t>
             </a:fld>
             <a:endParaRPr lang="ru-RU"/>
           </a:p>
@@ -9419,7 +9424,7 @@
           <a:p>
             <a:fld id="{D6CE3C32-551A-4460-A82C-8731ECEDCCAF}" type="datetimeFigureOut">
               <a:rPr lang="ru-RU" smtClean="0"/>
-              <a:t>10.05.2021</a:t>
+              <a:t>19.05.2021</a:t>
             </a:fld>
             <a:endParaRPr lang="ru-RU"/>
           </a:p>
@@ -9514,7 +9519,7 @@
           <a:p>
             <a:fld id="{D6CE3C32-551A-4460-A82C-8731ECEDCCAF}" type="datetimeFigureOut">
               <a:rPr lang="ru-RU" smtClean="0"/>
-              <a:t>10.05.2021</a:t>
+              <a:t>19.05.2021</a:t>
             </a:fld>
             <a:endParaRPr lang="ru-RU"/>
           </a:p>
@@ -10595,7 +10600,7 @@
           <a:p>
             <a:fld id="{D6CE3C32-551A-4460-A82C-8731ECEDCCAF}" type="datetimeFigureOut">
               <a:rPr lang="ru-RU" smtClean="0"/>
-              <a:t>10.05.2021</a:t>
+              <a:t>19.05.2021</a:t>
             </a:fld>
             <a:endParaRPr lang="ru-RU"/>
           </a:p>
@@ -11703,7 +11708,7 @@
           <a:p>
             <a:fld id="{D6CE3C32-551A-4460-A82C-8731ECEDCCAF}" type="datetimeFigureOut">
               <a:rPr lang="ru-RU" smtClean="0"/>
-              <a:t>10.05.2021</a:t>
+              <a:t>19.05.2021</a:t>
             </a:fld>
             <a:endParaRPr lang="ru-RU"/>
           </a:p>
@@ -12700,7 +12705,7 @@
           <a:p>
             <a:fld id="{D6CE3C32-551A-4460-A82C-8731ECEDCCAF}" type="datetimeFigureOut">
               <a:rPr lang="ru-RU" smtClean="0"/>
-              <a:t>10.05.2021</a:t>
+              <a:t>19.05.2021</a:t>
             </a:fld>
             <a:endParaRPr lang="ru-RU"/>
           </a:p>
@@ -13321,7 +13326,24 @@
                 <a:ea typeface="Calibri" panose="020F0502020204030204" pitchFamily="34" charset="0"/>
                 <a:cs typeface="Times New Roman" panose="02020603050405020304" pitchFamily="18" charset="0"/>
               </a:rPr>
-              <a:t>Тема: «Приложение “Таск-анализатор репозиториев”.»</a:t>
+              <a:t>Тема: «Приложение “Таск-анализатор репозиториев”. </a:t>
+            </a:r>
+            <a:r>
+              <a:rPr lang="ru-RU" sz="3600" b="1" dirty="0">
+                <a:effectLst/>
+                <a:latin typeface="Times New Roman" panose="02020603050405020304" pitchFamily="18" charset="0"/>
+                <a:ea typeface="Calibri" panose="020F0502020204030204" pitchFamily="34" charset="0"/>
+              </a:rPr>
+              <a:t>Клиентная часть</a:t>
+            </a:r>
+            <a:r>
+              <a:rPr lang="ru-RU" sz="3600" b="1" dirty="0">
+                <a:effectLst/>
+                <a:latin typeface="Times New Roman" panose="02020603050405020304" pitchFamily="18" charset="0"/>
+                <a:ea typeface="Calibri" panose="020F0502020204030204" pitchFamily="34" charset="0"/>
+                <a:cs typeface="Times New Roman" panose="02020603050405020304" pitchFamily="18" charset="0"/>
+              </a:rPr>
+              <a:t>»</a:t>
             </a:r>
             <a:endParaRPr lang="ru-RU" sz="3600" dirty="0">
               <a:effectLst/>
@@ -13368,8 +13390,25 @@
                 <a:latin typeface="Times New Roman" panose="02020603050405020304" pitchFamily="18" charset="0"/>
                 <a:cs typeface="Times New Roman" panose="02020603050405020304" pitchFamily="18" charset="0"/>
               </a:rPr>
-              <a:t>Выполнили студенты</a:t>
+              <a:t>Выполнил студент</a:t>
             </a:r>
+            <a:r>
+              <a:rPr lang="en-US" sz="2000" b="1" dirty="0">
+                <a:solidFill>
+                  <a:schemeClr val="bg1"/>
+                </a:solidFill>
+                <a:latin typeface="Times New Roman" panose="02020603050405020304" pitchFamily="18" charset="0"/>
+                <a:cs typeface="Times New Roman" panose="02020603050405020304" pitchFamily="18" charset="0"/>
+              </a:rPr>
+              <a:t>:</a:t>
+            </a:r>
+            <a:endParaRPr lang="ru-RU" sz="2000" b="1" dirty="0">
+              <a:solidFill>
+                <a:schemeClr val="bg1"/>
+              </a:solidFill>
+              <a:latin typeface="Times New Roman" panose="02020603050405020304" pitchFamily="18" charset="0"/>
+              <a:cs typeface="Times New Roman" panose="02020603050405020304" pitchFamily="18" charset="0"/>
+            </a:endParaRPr>
           </a:p>
           <a:p>
             <a:r>
@@ -13392,10 +13431,18 @@
                 <a:latin typeface="Times New Roman" panose="02020603050405020304" pitchFamily="18" charset="0"/>
                 <a:cs typeface="Times New Roman" panose="02020603050405020304" pitchFamily="18" charset="0"/>
               </a:rPr>
-              <a:t>Ларченко Михаил Андреевич</a:t>
+              <a:t>Группа</a:t>
             </a:r>
-          </a:p>
-          <a:p>
+            <a:r>
+              <a:rPr lang="en-US" sz="2000" b="1" dirty="0">
+                <a:solidFill>
+                  <a:schemeClr val="bg1"/>
+                </a:solidFill>
+                <a:latin typeface="Times New Roman" panose="02020603050405020304" pitchFamily="18" charset="0"/>
+                <a:cs typeface="Times New Roman" panose="02020603050405020304" pitchFamily="18" charset="0"/>
+              </a:rPr>
+              <a:t>: </a:t>
+            </a:r>
             <a:r>
               <a:rPr lang="ru-RU" sz="2000" b="1" dirty="0">
                 <a:solidFill>
@@ -13406,9 +13453,6 @@
               </a:rPr>
               <a:t>П1-18</a:t>
             </a:r>
-          </a:p>
-          <a:p>
-            <a:endParaRPr lang="ru-RU" sz="2000" dirty="0"/>
           </a:p>
         </p:txBody>
       </p:sp>
@@ -13536,6 +13580,100 @@
           </a:p>
         </p:txBody>
       </p:sp>
+      <p:pic>
+        <p:nvPicPr>
+          <p:cNvPr id="1026" name="Picture 2" descr="Lazarus Free Pascal Computer Software, Ð´ÑÑÐ³Ð¸Ðµ, Ð´ÑÑÐ³Ð¸Ðµ, ÐºÐ¾Ð¼Ð¿ÑÑÑÐµÑÐ½Ð°Ñ  Ð¿ÑÐ¾Ð³ÑÐ°Ð¼Ð¼Ð°, ÐºÐ¾Ð¼Ð¿ÑÑÑÐµÑÐ½Ð¾Ðµ Ð¿ÑÐ¾Ð³ÑÐ°Ð¼Ð¼Ð¸ÑÐ¾Ð²Ð°Ð½Ð¸Ðµ png | PNGWing">
+            <a:extLst>
+              <a:ext uri="{FF2B5EF4-FFF2-40B4-BE49-F238E27FC236}">
+                <a16:creationId xmlns:a16="http://schemas.microsoft.com/office/drawing/2014/main" id="{F6CA24D6-965C-4A5B-9924-EFD476757F8F}"/>
+              </a:ext>
+            </a:extLst>
+          </p:cNvPr>
+          <p:cNvPicPr>
+            <a:picLocks noChangeAspect="1" noChangeArrowheads="1"/>
+          </p:cNvPicPr>
+          <p:nvPr/>
+        </p:nvPicPr>
+        <p:blipFill>
+          <a:blip r:embed="rId2">
+            <a:extLst>
+              <a:ext uri="{28A0092B-C50C-407E-A947-70E740481C1C}">
+                <a14:useLocalDpi xmlns:a14="http://schemas.microsoft.com/office/drawing/2010/main" val="0"/>
+              </a:ext>
+            </a:extLst>
+          </a:blip>
+          <a:srcRect/>
+          <a:stretch>
+            <a:fillRect/>
+          </a:stretch>
+        </p:blipFill>
+        <p:spPr bwMode="auto">
+          <a:xfrm>
+            <a:off x="2117694" y="4209403"/>
+            <a:ext cx="2129309" cy="2218030"/>
+          </a:xfrm>
+          <a:prstGeom prst="rect">
+            <a:avLst/>
+          </a:prstGeom>
+          <a:noFill/>
+          <a:extLst>
+            <a:ext uri="{909E8E84-426E-40DD-AFC4-6F175D3DCCD1}">
+              <a14:hiddenFill xmlns:a14="http://schemas.microsoft.com/office/drawing/2010/main">
+                <a:solidFill>
+                  <a:srgbClr val="FFFFFF"/>
+                </a:solidFill>
+              </a14:hiddenFill>
+            </a:ext>
+          </a:extLst>
+        </p:spPr>
+      </p:pic>
+      <p:pic>
+        <p:nvPicPr>
+          <p:cNvPr id="1028" name="Picture 4" descr="lf356, SoftwareDevelopment: PrÃªt Ã  connaÃ®tre un compilateur pascal libre:  Free Pascal">
+            <a:extLst>
+              <a:ext uri="{FF2B5EF4-FFF2-40B4-BE49-F238E27FC236}">
+                <a16:creationId xmlns:a16="http://schemas.microsoft.com/office/drawing/2014/main" id="{77703D91-6A76-4F1C-A900-56E23BDD0E05}"/>
+              </a:ext>
+            </a:extLst>
+          </p:cNvPr>
+          <p:cNvPicPr>
+            <a:picLocks noChangeAspect="1" noChangeArrowheads="1"/>
+          </p:cNvPicPr>
+          <p:nvPr/>
+        </p:nvPicPr>
+        <p:blipFill>
+          <a:blip r:embed="rId3">
+            <a:extLst>
+              <a:ext uri="{28A0092B-C50C-407E-A947-70E740481C1C}">
+                <a14:useLocalDpi xmlns:a14="http://schemas.microsoft.com/office/drawing/2010/main" val="0"/>
+              </a:ext>
+            </a:extLst>
+          </a:blip>
+          <a:srcRect/>
+          <a:stretch>
+            <a:fillRect/>
+          </a:stretch>
+        </p:blipFill>
+        <p:spPr bwMode="auto">
+          <a:xfrm>
+            <a:off x="6223246" y="4661193"/>
+            <a:ext cx="4876800" cy="1314450"/>
+          </a:xfrm>
+          <a:prstGeom prst="rect">
+            <a:avLst/>
+          </a:prstGeom>
+          <a:noFill/>
+          <a:extLst>
+            <a:ext uri="{909E8E84-426E-40DD-AFC4-6F175D3DCCD1}">
+              <a14:hiddenFill xmlns:a14="http://schemas.microsoft.com/office/drawing/2010/main">
+                <a:solidFill>
+                  <a:srgbClr val="FFFFFF"/>
+                </a:solidFill>
+              </a14:hiddenFill>
+            </a:ext>
+          </a:extLst>
+        </p:spPr>
+      </p:pic>
     </p:spTree>
     <p:extLst>
       <p:ext uri="{BB962C8B-B14F-4D97-AF65-F5344CB8AC3E}">
@@ -13831,7 +13969,7 @@
         </p:blipFill>
         <p:spPr bwMode="auto">
           <a:xfrm>
-            <a:off x="3191106" y="2388094"/>
+            <a:off x="3137840" y="2405849"/>
             <a:ext cx="5615543" cy="3922404"/>
           </a:xfrm>
           <a:prstGeom prst="rect">
